--- a/Module 4 Lab 1 Figma.pptx
+++ b/Module 4 Lab 1 Figma.pptx
@@ -5245,7 +5245,7 @@
             <a:pPr algn="ctr"/>
             <a:r>
               <a:rPr lang="en-US" dirty="0"/>
-              <a:t>Page 3</a:t>
+              <a:t>Page 4</a:t>
             </a:r>
             <a:endParaRPr lang="en-SG" dirty="0"/>
           </a:p>
